--- a/unit_00/bootstrap/slides/05 Bootstrap Jumbotron.pptx
+++ b/unit_00/bootstrap/slides/05 Bootstrap Jumbotron.pptx
@@ -590,7 +590,7 @@
           <a:p>
             <a:fld id="{EA0C0817-A112-4847-8014-A94B7D2A4EA3}" type="datetime1">
               <a:rPr lang="en-US" smtClean="0"/>
-              <a:t>6/26/2020</a:t>
+              <a:t>9/1/2020</a:t>
             </a:fld>
             <a:endParaRPr lang="en-US" dirty="0"/>
           </a:p>
@@ -792,7 +792,7 @@
           <a:p>
             <a:fld id="{7332B432-ACDA-4023-A761-2BAB76577B62}" type="datetime1">
               <a:rPr lang="en-US" smtClean="0"/>
-              <a:t>6/26/2020</a:t>
+              <a:t>9/1/2020</a:t>
             </a:fld>
             <a:endParaRPr lang="en-US" dirty="0"/>
           </a:p>
@@ -1391,7 +1391,7 @@
           <a:p>
             <a:fld id="{D9C646AA-F36E-4540-911D-FFFC0A0EF24A}" type="datetime1">
               <a:rPr lang="en-US" smtClean="0"/>
-              <a:t>6/26/2020</a:t>
+              <a:t>9/1/2020</a:t>
             </a:fld>
             <a:endParaRPr lang="en-US" dirty="0"/>
           </a:p>
@@ -1711,7 +1711,7 @@
           <a:p>
             <a:fld id="{69186D26-FA5F-4637-B602-B7C2DC34CFD4}" type="datetime1">
               <a:rPr lang="en-US" smtClean="0"/>
-              <a:t>6/26/2020</a:t>
+              <a:t>9/1/2020</a:t>
             </a:fld>
             <a:endParaRPr lang="en-US" dirty="0"/>
           </a:p>
@@ -2148,7 +2148,7 @@
           <a:p>
             <a:fld id="{8A7F15D8-96D1-4781-BC50-CA8A088B2FE4}" type="datetime1">
               <a:rPr lang="en-US" smtClean="0"/>
-              <a:t>6/26/2020</a:t>
+              <a:t>9/1/2020</a:t>
             </a:fld>
             <a:endParaRPr lang="en-US" dirty="0"/>
           </a:p>
@@ -2266,7 +2266,7 @@
           <a:p>
             <a:fld id="{F9A96C99-B8F8-4528-BD05-0E16E943DC09}" type="datetime1">
               <a:rPr lang="en-US" smtClean="0"/>
-              <a:t>6/26/2020</a:t>
+              <a:t>9/1/2020</a:t>
             </a:fld>
             <a:endParaRPr lang="en-US" dirty="0"/>
           </a:p>
@@ -2361,7 +2361,7 @@
           <a:p>
             <a:fld id="{03636942-C211-4B28-8DBD-C953E00AF71B}" type="datetime1">
               <a:rPr lang="en-US" smtClean="0"/>
-              <a:t>6/26/2020</a:t>
+              <a:t>9/1/2020</a:t>
             </a:fld>
             <a:endParaRPr lang="en-US" dirty="0"/>
           </a:p>
@@ -2778,7 +2778,7 @@
           <a:p>
             <a:fld id="{7E8D12A6-918A-48BD-8CB9-CA713993B0EA}" type="datetime1">
               <a:rPr lang="en-US" smtClean="0"/>
-              <a:t>6/26/2020</a:t>
+              <a:t>9/1/2020</a:t>
             </a:fld>
             <a:endParaRPr lang="en-US" dirty="0"/>
           </a:p>
@@ -3040,7 +3040,7 @@
             <a:fld id="{E778CE86-875F-4587-BCF6-FA054AFC0D53}" type="datetime1">
               <a:rPr lang="en-US" smtClean="0"/>
               <a:pPr/>
-              <a:t>6/26/2020</a:t>
+              <a:t>9/1/2020</a:t>
             </a:fld>
             <a:endParaRPr lang="en-US" dirty="0"/>
           </a:p>
@@ -3556,7 +3556,7 @@
           <a:p>
             <a:fld id="{F6FA2B21-3FCD-4721-B95C-427943F61125}" type="datetime1">
               <a:rPr lang="en-US" smtClean="0"/>
-              <a:t>6/26/2020</a:t>
+              <a:t>9/1/2020</a:t>
             </a:fld>
             <a:endParaRPr lang="en-US" dirty="0"/>
           </a:p>
@@ -7025,7 +7025,7 @@
         </p:blipFill>
         <p:spPr>
           <a:xfrm>
-            <a:off x="6054570" y="4496718"/>
+            <a:off x="3630153" y="4706351"/>
             <a:ext cx="5343525" cy="2905125"/>
           </a:xfrm>
           <a:prstGeom prst="rect">
@@ -7323,6 +7323,24 @@
 </file>
 
 <file path=customXml/item1.xml><?xml version="1.0" encoding="utf-8"?>
+<p:properties xmlns:p="http://schemas.microsoft.com/office/2006/metadata/properties" xmlns:xsi="http://www.w3.org/2001/XMLSchema-instance" xmlns:pc="http://schemas.microsoft.com/office/infopath/2007/PartnerControls">
+  <documentManagement>
+    <Status xmlns="71af3243-3dd4-4a8d-8c0d-dd76da1f02a5">Not started</Status>
+    <MediaServiceKeyPoints xmlns="71af3243-3dd4-4a8d-8c0d-dd76da1f02a5" xsi:nil="true"/>
+  </documentManagement>
+</p:properties>
+</file>
+
+<file path=customXml/item2.xml><?xml version="1.0" encoding="utf-8"?>
+<?mso-contentType ?>
+<FormTemplates xmlns="http://schemas.microsoft.com/sharepoint/v3/contenttype/forms">
+  <Display>DocumentLibraryForm</Display>
+  <Edit>DocumentLibraryForm</Edit>
+  <New>DocumentLibraryForm</New>
+</FormTemplates>
+</file>
+
+<file path=customXml/item3.xml><?xml version="1.0" encoding="utf-8"?>
 <ct:contentTypeSchema xmlns:ct="http://schemas.microsoft.com/office/2006/metadata/contentType" xmlns:ma="http://schemas.microsoft.com/office/2006/metadata/properties/metaAttributes" ct:_="" ma:_="" ma:contentTypeName="Document" ma:contentTypeID="0x01010079F111ED35F8CC479449609E8A0923A6" ma:contentTypeVersion="12" ma:contentTypeDescription="Create a new document." ma:contentTypeScope="" ma:versionID="a410dd7f93c95333ffa1b60ed6adedd1">
   <xsd:schema xmlns:xsd="http://www.w3.org/2001/XMLSchema" xmlns:xs="http://www.w3.org/2001/XMLSchema" xmlns:p="http://schemas.microsoft.com/office/2006/metadata/properties" xmlns:ns2="71af3243-3dd4-4a8d-8c0d-dd76da1f02a5" xmlns:ns3="16c05727-aa75-4e4a-9b5f-8a80a1165891" targetNamespace="http://schemas.microsoft.com/office/2006/metadata/properties" ma:root="true" ma:fieldsID="a936d9baba76aa3866493feff160faab" ns2:_="" ns3:_="">
     <xsd:import namespace="71af3243-3dd4-4a8d-8c0d-dd76da1f02a5"/>
@@ -7543,25 +7561,25 @@
 </ct:contentTypeSchema>
 </file>
 
-<file path=customXml/item2.xml><?xml version="1.0" encoding="utf-8"?>
-<?mso-contentType ?>
-<FormTemplates xmlns="http://schemas.microsoft.com/sharepoint/v3/contenttype/forms">
-  <Display>DocumentLibraryForm</Display>
-  <Edit>DocumentLibraryForm</Edit>
-  <New>DocumentLibraryForm</New>
-</FormTemplates>
+<file path=customXml/itemProps1.xml><?xml version="1.0" encoding="utf-8"?>
+<ds:datastoreItem xmlns:ds="http://schemas.openxmlformats.org/officeDocument/2006/customXml" ds:itemID="{137651BA-F45C-4845-9AB3-E0A65B39F5E1}">
+  <ds:schemaRefs>
+    <ds:schemaRef ds:uri="http://schemas.microsoft.com/office/2006/metadata/properties"/>
+    <ds:schemaRef ds:uri="http://schemas.microsoft.com/office/infopath/2007/PartnerControls"/>
+    <ds:schemaRef ds:uri="71af3243-3dd4-4a8d-8c0d-dd76da1f02a5"/>
+  </ds:schemaRefs>
+</ds:datastoreItem>
 </file>
 
-<file path=customXml/item3.xml><?xml version="1.0" encoding="utf-8"?>
-<p:properties xmlns:p="http://schemas.microsoft.com/office/2006/metadata/properties" xmlns:xsi="http://www.w3.org/2001/XMLSchema-instance" xmlns:pc="http://schemas.microsoft.com/office/infopath/2007/PartnerControls">
-  <documentManagement>
-    <Status xmlns="71af3243-3dd4-4a8d-8c0d-dd76da1f02a5">Not started</Status>
-    <MediaServiceKeyPoints xmlns="71af3243-3dd4-4a8d-8c0d-dd76da1f02a5" xsi:nil="true"/>
-  </documentManagement>
-</p:properties>
+<file path=customXml/itemProps2.xml><?xml version="1.0" encoding="utf-8"?>
+<ds:datastoreItem xmlns:ds="http://schemas.openxmlformats.org/officeDocument/2006/customXml" ds:itemID="{CDB58277-F8DF-46FF-84EC-EF41B835E69F}">
+  <ds:schemaRefs>
+    <ds:schemaRef ds:uri="http://schemas.microsoft.com/sharepoint/v3/contenttype/forms"/>
+  </ds:schemaRefs>
+</ds:datastoreItem>
 </file>
 
-<file path=customXml/itemProps1.xml><?xml version="1.0" encoding="utf-8"?>
+<file path=customXml/itemProps3.xml><?xml version="1.0" encoding="utf-8"?>
 <ds:datastoreItem xmlns:ds="http://schemas.openxmlformats.org/officeDocument/2006/customXml" ds:itemID="{2D276E62-80A3-44DD-9BCC-97ED2B99B57F}">
   <ds:schemaRefs>
     <ds:schemaRef ds:uri="http://schemas.microsoft.com/office/2006/metadata/contentType"/>
@@ -7578,22 +7596,4 @@
     <ds:schemaRef ds:uri="http://schemas.microsoft.com/internal/obd"/>
   </ds:schemaRefs>
 </ds:datastoreItem>
-</file>
-
-<file path=customXml/itemProps2.xml><?xml version="1.0" encoding="utf-8"?>
-<ds:datastoreItem xmlns:ds="http://schemas.openxmlformats.org/officeDocument/2006/customXml" ds:itemID="{CDB58277-F8DF-46FF-84EC-EF41B835E69F}">
-  <ds:schemaRefs>
-    <ds:schemaRef ds:uri="http://schemas.microsoft.com/sharepoint/v3/contenttype/forms"/>
-  </ds:schemaRefs>
-</ds:datastoreItem>
-</file>
-
-<file path=customXml/itemProps3.xml><?xml version="1.0" encoding="utf-8"?>
-<ds:datastoreItem xmlns:ds="http://schemas.openxmlformats.org/officeDocument/2006/customXml" ds:itemID="{137651BA-F45C-4845-9AB3-E0A65B39F5E1}">
-  <ds:schemaRefs>
-    <ds:schemaRef ds:uri="http://schemas.microsoft.com/office/2006/metadata/properties"/>
-    <ds:schemaRef ds:uri="http://schemas.microsoft.com/office/infopath/2007/PartnerControls"/>
-    <ds:schemaRef ds:uri="71af3243-3dd4-4a8d-8c0d-dd76da1f02a5"/>
-  </ds:schemaRefs>
-</ds:datastoreItem>
 </file>
--- a/unit_00/bootstrap/slides/05 Bootstrap Jumbotron.pptx
+++ b/unit_00/bootstrap/slides/05 Bootstrap Jumbotron.pptx
@@ -590,7 +590,7 @@
           <a:p>
             <a:fld id="{EA0C0817-A112-4847-8014-A94B7D2A4EA3}" type="datetime1">
               <a:rPr lang="en-US" smtClean="0"/>
-              <a:t>9/1/2020</a:t>
+              <a:t>9/3/2020</a:t>
             </a:fld>
             <a:endParaRPr lang="en-US" dirty="0"/>
           </a:p>
@@ -792,7 +792,7 @@
           <a:p>
             <a:fld id="{7332B432-ACDA-4023-A761-2BAB76577B62}" type="datetime1">
               <a:rPr lang="en-US" smtClean="0"/>
-              <a:t>9/1/2020</a:t>
+              <a:t>9/3/2020</a:t>
             </a:fld>
             <a:endParaRPr lang="en-US" dirty="0"/>
           </a:p>
@@ -1391,7 +1391,7 @@
           <a:p>
             <a:fld id="{D9C646AA-F36E-4540-911D-FFFC0A0EF24A}" type="datetime1">
               <a:rPr lang="en-US" smtClean="0"/>
-              <a:t>9/1/2020</a:t>
+              <a:t>9/3/2020</a:t>
             </a:fld>
             <a:endParaRPr lang="en-US" dirty="0"/>
           </a:p>
@@ -1711,7 +1711,7 @@
           <a:p>
             <a:fld id="{69186D26-FA5F-4637-B602-B7C2DC34CFD4}" type="datetime1">
               <a:rPr lang="en-US" smtClean="0"/>
-              <a:t>9/1/2020</a:t>
+              <a:t>9/3/2020</a:t>
             </a:fld>
             <a:endParaRPr lang="en-US" dirty="0"/>
           </a:p>
@@ -2148,7 +2148,7 @@
           <a:p>
             <a:fld id="{8A7F15D8-96D1-4781-BC50-CA8A088B2FE4}" type="datetime1">
               <a:rPr lang="en-US" smtClean="0"/>
-              <a:t>9/1/2020</a:t>
+              <a:t>9/3/2020</a:t>
             </a:fld>
             <a:endParaRPr lang="en-US" dirty="0"/>
           </a:p>
@@ -2266,7 +2266,7 @@
           <a:p>
             <a:fld id="{F9A96C99-B8F8-4528-BD05-0E16E943DC09}" type="datetime1">
               <a:rPr lang="en-US" smtClean="0"/>
-              <a:t>9/1/2020</a:t>
+              <a:t>9/3/2020</a:t>
             </a:fld>
             <a:endParaRPr lang="en-US" dirty="0"/>
           </a:p>
@@ -2361,7 +2361,7 @@
           <a:p>
             <a:fld id="{03636942-C211-4B28-8DBD-C953E00AF71B}" type="datetime1">
               <a:rPr lang="en-US" smtClean="0"/>
-              <a:t>9/1/2020</a:t>
+              <a:t>9/3/2020</a:t>
             </a:fld>
             <a:endParaRPr lang="en-US" dirty="0"/>
           </a:p>
@@ -2778,7 +2778,7 @@
           <a:p>
             <a:fld id="{7E8D12A6-918A-48BD-8CB9-CA713993B0EA}" type="datetime1">
               <a:rPr lang="en-US" smtClean="0"/>
-              <a:t>9/1/2020</a:t>
+              <a:t>9/3/2020</a:t>
             </a:fld>
             <a:endParaRPr lang="en-US" dirty="0"/>
           </a:p>
@@ -2995,10 +2995,9 @@
           </a:lstStyle>
           <a:p>
             <a:r>
-              <a:rPr lang="en-US"/>
+              <a:rPr lang="en-US" dirty="0"/>
               <a:t>Click icon to add picture</a:t>
             </a:r>
-            <a:endParaRPr lang="en-US" dirty="0"/>
           </a:p>
         </p:txBody>
       </p:sp>
@@ -3040,7 +3039,7 @@
             <a:fld id="{E778CE86-875F-4587-BCF6-FA054AFC0D53}" type="datetime1">
               <a:rPr lang="en-US" smtClean="0"/>
               <a:pPr/>
-              <a:t>9/1/2020</a:t>
+              <a:t>9/3/2020</a:t>
             </a:fld>
             <a:endParaRPr lang="en-US" dirty="0"/>
           </a:p>
@@ -3556,7 +3555,7 @@
           <a:p>
             <a:fld id="{F6FA2B21-3FCD-4721-B95C-427943F61125}" type="datetime1">
               <a:rPr lang="en-US" smtClean="0"/>
-              <a:t>9/1/2020</a:t>
+              <a:t>9/3/2020</a:t>
             </a:fld>
             <a:endParaRPr lang="en-US" dirty="0"/>
           </a:p>
@@ -4184,18 +4183,13 @@
           <a:lstStyle/>
           <a:p>
             <a:r>
-              <a:rPr lang="en-US" sz="4400">
+              <a:rPr lang="en-US" sz="4400" dirty="0">
                 <a:solidFill>
                   <a:schemeClr val="tx1"/>
                 </a:solidFill>
               </a:rPr>
               <a:t>Bootstrap Jumbotron</a:t>
             </a:r>
-            <a:endParaRPr lang="en-US" sz="4400" dirty="0">
-              <a:solidFill>
-                <a:schemeClr val="tx1"/>
-              </a:solidFill>
-            </a:endParaRPr>
           </a:p>
         </p:txBody>
       </p:sp>
@@ -4233,18 +4227,13 @@
               </a:spcAft>
             </a:pPr>
             <a:r>
-              <a:rPr lang="en-US">
+              <a:rPr lang="en-US" dirty="0">
                 <a:solidFill>
                   <a:schemeClr val="tx1"/>
                 </a:solidFill>
               </a:rPr>
               <a:t>Ranken Technical College</a:t>
             </a:r>
-            <a:endParaRPr lang="en-US" dirty="0">
-              <a:solidFill>
-                <a:schemeClr val="tx1"/>
-              </a:solidFill>
-            </a:endParaRPr>
           </a:p>
         </p:txBody>
       </p:sp>
@@ -4300,7 +4289,7 @@
           <a:lstStyle/>
           <a:p>
             <a:r>
-              <a:rPr lang="en-US"/>
+              <a:rPr lang="en-US" dirty="0"/>
               <a:t>More Examples</a:t>
             </a:r>
           </a:p>
@@ -4338,7 +4327,7 @@
               <a:buNone/>
             </a:pPr>
             <a:r>
-              <a:rPr lang="en-US" sz="2800">
+              <a:rPr lang="en-US" sz="2800" dirty="0">
                 <a:solidFill>
                   <a:srgbClr val="00B0F0"/>
                 </a:solidFill>
@@ -4352,7 +4341,7 @@
               </a:rPr>
               <a:t>https://getbootstrap.com/docs/4.5/components/jumbotron/</a:t>
             </a:r>
-            <a:endParaRPr lang="en-US" sz="2800">
+            <a:endParaRPr lang="en-US" sz="2800" dirty="0">
               <a:solidFill>
                 <a:srgbClr val="00B0F0"/>
               </a:solidFill>
@@ -4417,7 +4406,7 @@
           <a:lstStyle/>
           <a:p>
             <a:r>
-              <a:rPr lang="en-US"/>
+              <a:rPr lang="en-US" dirty="0"/>
               <a:t>Jumbotron</a:t>
             </a:r>
           </a:p>
@@ -4455,7 +4444,7 @@
               <a:buNone/>
             </a:pPr>
             <a:r>
-              <a:rPr lang="en-US" sz="2400"/>
+              <a:rPr lang="en-US" sz="2400" dirty="0"/>
               <a:t>A lightweight, flexible component to showcase key marketing messages on your site.</a:t>
             </a:r>
           </a:p>
@@ -4490,14 +4479,14 @@
           <a:p>
             <a:pPr algn="r"/>
             <a:r>
-              <a:rPr lang="en-US" sz="1400" b="1"/>
+              <a:rPr lang="en-US" sz="1400" b="1" dirty="0"/>
               <a:t>Sources</a:t>
             </a:r>
           </a:p>
           <a:p>
             <a:pPr algn="r"/>
             <a:r>
-              <a:rPr lang="en-US" sz="1400">
+              <a:rPr lang="en-US" sz="1400" dirty="0">
                 <a:solidFill>
                   <a:srgbClr val="00B0F0"/>
                 </a:solidFill>
@@ -4511,7 +4500,7 @@
               </a:rPr>
               <a:t>https://getbootstrap.com/docs/4.5/components/jumbotron/</a:t>
             </a:r>
-            <a:endParaRPr lang="en-US" sz="1400" b="1">
+            <a:endParaRPr lang="en-US" sz="1400" b="1" dirty="0">
               <a:solidFill>
                 <a:srgbClr val="00B0F0"/>
               </a:solidFill>
@@ -4606,7 +4595,7 @@
           <a:lstStyle/>
           <a:p>
             <a:r>
-              <a:rPr lang="en-US"/>
+              <a:rPr lang="en-US" dirty="0"/>
               <a:t>Above The Fold</a:t>
             </a:r>
           </a:p>
@@ -4641,45 +4630,45 @@
           <a:lstStyle/>
           <a:p>
             <a:r>
-              <a:rPr lang="en-US" sz="2000"/>
+              <a:rPr lang="en-US" sz="2000" dirty="0"/>
               <a:t>Originated with </a:t>
             </a:r>
             <a:r>
-              <a:rPr lang="en-US" sz="2000" b="1"/>
+              <a:rPr lang="en-US" sz="2000" b="1" dirty="0"/>
               <a:t>newspapers.</a:t>
             </a:r>
           </a:p>
           <a:p>
             <a:r>
-              <a:rPr lang="en-US" sz="2000"/>
+              <a:rPr lang="en-US" sz="2000" dirty="0"/>
               <a:t>Due to being printed on large sheets of paper, they were </a:t>
             </a:r>
             <a:r>
-              <a:rPr lang="en-US" sz="2000" b="1"/>
+              <a:rPr lang="en-US" sz="2000" b="1" dirty="0"/>
               <a:t>folded once </a:t>
             </a:r>
             <a:r>
-              <a:rPr lang="en-US" sz="2000"/>
+              <a:rPr lang="en-US" sz="2000" dirty="0"/>
               <a:t>when the they hit the news-stands.</a:t>
             </a:r>
           </a:p>
           <a:p>
             <a:r>
-              <a:rPr lang="en-US" sz="2000"/>
+              <a:rPr lang="en-US" sz="2000" dirty="0"/>
               <a:t>This led to only the </a:t>
             </a:r>
             <a:r>
-              <a:rPr lang="en-US" sz="2000" b="1"/>
+              <a:rPr lang="en-US" sz="2000" b="1" dirty="0"/>
               <a:t>top half of the front page </a:t>
             </a:r>
             <a:r>
-              <a:rPr lang="en-US" sz="2000"/>
+              <a:rPr lang="en-US" sz="2000" dirty="0"/>
               <a:t>being visible to passersby.</a:t>
             </a:r>
           </a:p>
           <a:p>
             <a:r>
-              <a:rPr lang="en-US" sz="2000" b="1"/>
+              <a:rPr lang="en-US" sz="2000" b="1" dirty="0"/>
               <a:t>Newspapers learned to present attention-grabbing headlines, content, and imagery on the top half of the page.</a:t>
             </a:r>
           </a:p>
@@ -4767,7 +4756,7 @@
           </a:lstStyle>
           <a:p>
             <a:r>
-              <a:rPr lang="en-US" sz="2800">
+              <a:rPr lang="en-US" sz="2800" dirty="0">
                 <a:solidFill>
                   <a:schemeClr val="tx1">
                     <a:lumMod val="50000"/>
@@ -4809,14 +4798,14 @@
           <a:p>
             <a:pPr algn="r"/>
             <a:r>
-              <a:rPr lang="en-US" sz="1400" b="1"/>
+              <a:rPr lang="en-US" sz="1400" b="1" dirty="0"/>
               <a:t>Sources</a:t>
             </a:r>
           </a:p>
           <a:p>
             <a:pPr algn="r"/>
             <a:r>
-              <a:rPr lang="en-US" sz="1400">
+              <a:rPr lang="en-US" sz="1400" dirty="0">
                 <a:solidFill>
                   <a:srgbClr val="00B0F0"/>
                 </a:solidFill>
@@ -4830,7 +4819,7 @@
               </a:rPr>
               <a:t>https://www.abtasty.com/blog/above-the-fold/</a:t>
             </a:r>
-            <a:endParaRPr lang="en-US" sz="1400" b="1">
+            <a:endParaRPr lang="en-US" sz="1400" b="1" dirty="0">
               <a:solidFill>
                 <a:srgbClr val="00B0F0"/>
               </a:solidFill>
@@ -4897,59 +4886,59 @@
           <a:lstStyle/>
           <a:p>
             <a:r>
-              <a:rPr lang="en-US" sz="2000"/>
+              <a:rPr lang="en-US" sz="2000" dirty="0"/>
               <a:t>This basic principle applies to </a:t>
             </a:r>
             <a:r>
-              <a:rPr lang="en-US" sz="2000" b="1"/>
-              <a:t>digitial content.</a:t>
-            </a:r>
-          </a:p>
-          <a:p>
-            <a:r>
-              <a:rPr lang="en-US" sz="2000"/>
+              <a:rPr lang="en-US" sz="2000" b="1" dirty="0"/>
+              <a:t>digital content.</a:t>
+            </a:r>
+          </a:p>
+          <a:p>
+            <a:r>
+              <a:rPr lang="en-US" sz="2000" dirty="0"/>
               <a:t>The fold relates to the </a:t>
             </a:r>
             <a:r>
-              <a:rPr lang="en-US" sz="2000" b="1"/>
+              <a:rPr lang="en-US" sz="2000" b="1" dirty="0"/>
               <a:t>scrollbar.</a:t>
             </a:r>
           </a:p>
           <a:p>
             <a:r>
-              <a:rPr lang="en-US" sz="2000" b="1"/>
-              <a:t>Anything that isn't visible immediately, that requires scrolling, is conidered below the fold.</a:t>
-            </a:r>
-            <a:endParaRPr lang="en-US" sz="2000"/>
-          </a:p>
-          <a:p>
-            <a:endParaRPr lang="en-US" sz="2000"/>
-          </a:p>
-          <a:p>
-            <a:r>
-              <a:rPr lang="en-US" sz="2000"/>
+              <a:rPr lang="en-US" sz="2000" b="1" dirty="0"/>
+              <a:t>Anything that isn't visible immediately, that requires scrolling, is considered below the fold.</a:t>
+            </a:r>
+            <a:endParaRPr lang="en-US" sz="2000" dirty="0"/>
+          </a:p>
+          <a:p>
+            <a:endParaRPr lang="en-US" sz="2000" dirty="0"/>
+          </a:p>
+          <a:p>
+            <a:r>
+              <a:rPr lang="en-US" sz="2000" dirty="0"/>
               <a:t>The fold is generally </a:t>
             </a:r>
             <a:r>
-              <a:rPr lang="en-US" sz="2000" b="1"/>
+              <a:rPr lang="en-US" sz="2000" b="1" dirty="0"/>
               <a:t>400-600 pixels</a:t>
             </a:r>
             <a:r>
-              <a:rPr lang="en-US" sz="2000"/>
+              <a:rPr lang="en-US" sz="2000" dirty="0"/>
               <a:t> from the top of the viewport.</a:t>
             </a:r>
           </a:p>
           <a:p>
             <a:r>
-              <a:rPr lang="en-US" sz="2000"/>
+              <a:rPr lang="en-US" sz="2000" dirty="0"/>
               <a:t>You can use </a:t>
             </a:r>
             <a:r>
-              <a:rPr lang="en-US" sz="2000" b="1"/>
+              <a:rPr lang="en-US" sz="2000" b="1" dirty="0"/>
               <a:t>vh</a:t>
             </a:r>
             <a:r>
-              <a:rPr lang="en-US" sz="2000"/>
+              <a:rPr lang="en-US" sz="2000" dirty="0"/>
               <a:t> to be more precise if needed.</a:t>
             </a:r>
           </a:p>
@@ -5012,7 +5001,7 @@
           <a:lstStyle/>
           <a:p>
             <a:r>
-              <a:rPr lang="en-US"/>
+              <a:rPr lang="en-US" dirty="0"/>
               <a:t>Above The Fold</a:t>
             </a:r>
           </a:p>
@@ -5070,7 +5059,7 @@
           </a:lstStyle>
           <a:p>
             <a:r>
-              <a:rPr lang="en-US" sz="2800">
+              <a:rPr lang="en-US" sz="2800" dirty="0">
                 <a:solidFill>
                   <a:schemeClr val="tx1">
                     <a:lumMod val="50000"/>
@@ -5112,14 +5101,14 @@
           <a:p>
             <a:pPr algn="r"/>
             <a:r>
-              <a:rPr lang="en-US" sz="1400" b="1"/>
+              <a:rPr lang="en-US" sz="1400" b="1" dirty="0"/>
               <a:t>Sources</a:t>
             </a:r>
           </a:p>
           <a:p>
             <a:pPr algn="r"/>
             <a:r>
-              <a:rPr lang="en-US" sz="1400">
+              <a:rPr lang="en-US" sz="1400" dirty="0">
                 <a:solidFill>
                   <a:srgbClr val="00B0F0"/>
                 </a:solidFill>
@@ -5133,7 +5122,7 @@
               </a:rPr>
               <a:t>https://www.abtasty.com/blog/above-the-fold/</a:t>
             </a:r>
-            <a:endParaRPr lang="en-US" sz="1400">
+            <a:endParaRPr lang="en-US" sz="1400" dirty="0">
               <a:solidFill>
                 <a:srgbClr val="00B0F0"/>
               </a:solidFill>
@@ -5142,7 +5131,7 @@
           <a:p>
             <a:pPr algn="r"/>
             <a:r>
-              <a:rPr lang="en-US" sz="1400">
+              <a:rPr lang="en-US" sz="1400" dirty="0">
                 <a:solidFill>
                   <a:srgbClr val="00B0F0"/>
                 </a:solidFill>
@@ -5156,7 +5145,7 @@
               </a:rPr>
               <a:t>https://www.optimizely.com/optimization-glossary/above-the-fold/</a:t>
             </a:r>
-            <a:endParaRPr lang="en-US" sz="1400" b="1">
+            <a:endParaRPr lang="en-US" sz="1400" b="1" dirty="0">
               <a:solidFill>
                 <a:srgbClr val="00B0F0"/>
               </a:solidFill>
@@ -5216,7 +5205,7 @@
           <a:lstStyle/>
           <a:p>
             <a:r>
-              <a:rPr lang="en-US"/>
+              <a:rPr lang="en-US" dirty="0"/>
               <a:t>The Conversion Funnel</a:t>
             </a:r>
           </a:p>
@@ -5251,58 +5240,58 @@
           <a:lstStyle/>
           <a:p>
             <a:r>
-              <a:rPr lang="en-US" sz="2000"/>
+              <a:rPr lang="en-US" sz="2000" dirty="0"/>
               <a:t>Get your user's </a:t>
             </a:r>
             <a:r>
-              <a:rPr lang="en-US" sz="2000" b="1"/>
+              <a:rPr lang="en-US" sz="2000" b="1" dirty="0"/>
               <a:t>attention.</a:t>
             </a:r>
             <a:r>
-              <a:rPr lang="en-US" sz="2000"/>
-              <a:t> (SEO, ads, marketing, etc)</a:t>
-            </a:r>
-          </a:p>
-          <a:p>
-            <a:r>
-              <a:rPr lang="en-US" sz="2000"/>
-              <a:t>Peak their </a:t>
-            </a:r>
-            <a:r>
-              <a:rPr lang="en-US" sz="2000" b="1"/>
+              <a:rPr lang="en-US" sz="2000" dirty="0"/>
+              <a:t> (SEO, ads, marketing, etc.)</a:t>
+            </a:r>
+          </a:p>
+          <a:p>
+            <a:r>
+              <a:rPr lang="en-US" sz="2000" dirty="0"/>
+              <a:t>Pique their </a:t>
+            </a:r>
+            <a:r>
+              <a:rPr lang="en-US" sz="2000" b="1" dirty="0"/>
               <a:t>interest.</a:t>
             </a:r>
             <a:r>
-              <a:rPr lang="en-US" sz="2000"/>
-              <a:t> (attractive visuals, video content, quick summaries, etc)</a:t>
-            </a:r>
-          </a:p>
-          <a:p>
-            <a:r>
-              <a:rPr lang="en-US" sz="2000"/>
+              <a:rPr lang="en-US" sz="2000" dirty="0"/>
+              <a:t> (attractive visuals, video content, quick summaries, etc.)</a:t>
+            </a:r>
+          </a:p>
+          <a:p>
+            <a:r>
+              <a:rPr lang="en-US" sz="2000" dirty="0"/>
               <a:t>Build a relationship of trust and the </a:t>
             </a:r>
             <a:r>
-              <a:rPr lang="en-US" sz="2000" b="1"/>
+              <a:rPr lang="en-US" sz="2000" b="1" dirty="0"/>
               <a:t>desire</a:t>
             </a:r>
             <a:r>
-              <a:rPr lang="en-US" sz="2000"/>
-              <a:t> to buy. (product comparisons, case studies, testimonial, pricing, cause, history, etc)</a:t>
-            </a:r>
-          </a:p>
-          <a:p>
-            <a:r>
-              <a:rPr lang="en-US" sz="2000"/>
+              <a:rPr lang="en-US" sz="2000" dirty="0"/>
+              <a:t> to buy. (product comparisons, case studies, testimonial, pricing, cause, history, etc.)</a:t>
+            </a:r>
+          </a:p>
+          <a:p>
+            <a:r>
+              <a:rPr lang="en-US" sz="2000" dirty="0"/>
               <a:t>Give them an </a:t>
             </a:r>
             <a:r>
-              <a:rPr lang="en-US" sz="2000" b="1"/>
+              <a:rPr lang="en-US" sz="2000" b="1" dirty="0"/>
               <a:t>action</a:t>
             </a:r>
             <a:r>
-              <a:rPr lang="en-US" sz="2000"/>
-              <a:t> to take. (purchase, subscribe, etc)</a:t>
+              <a:rPr lang="en-US" sz="2000" dirty="0"/>
+              <a:t> to take. (purchase, subscribe, etc.)</a:t>
             </a:r>
           </a:p>
         </p:txBody>
@@ -5336,14 +5325,14 @@
           <a:p>
             <a:pPr algn="r"/>
             <a:r>
-              <a:rPr lang="en-US" sz="1400" b="1"/>
+              <a:rPr lang="en-US" sz="1400" b="1" dirty="0"/>
               <a:t>Sources</a:t>
             </a:r>
           </a:p>
           <a:p>
             <a:pPr algn="r"/>
             <a:r>
-              <a:rPr lang="en-US" sz="1400">
+              <a:rPr lang="en-US" sz="1400" dirty="0">
                 <a:solidFill>
                   <a:srgbClr val="00B0F0"/>
                 </a:solidFill>
@@ -5361,7 +5350,7 @@
           <a:p>
             <a:pPr algn="r"/>
             <a:r>
-              <a:rPr lang="en-US" sz="1400">
+              <a:rPr lang="en-US" sz="1400" dirty="0">
                 <a:solidFill>
                   <a:srgbClr val="00B0F0"/>
                 </a:solidFill>
@@ -5375,7 +5364,7 @@
               </a:rPr>
               <a:t>https://www.abtasty.com/blog/effective-call-to-action/</a:t>
             </a:r>
-            <a:endParaRPr lang="en-US" sz="1400">
+            <a:endParaRPr lang="en-US" sz="1400" dirty="0">
               <a:solidFill>
                 <a:srgbClr val="00B0F0"/>
               </a:solidFill>
@@ -5391,7 +5380,7 @@
           <a:p>
             <a:pPr algn="r"/>
             <a:r>
-              <a:rPr lang="en-US" sz="1400">
+              <a:rPr lang="en-US" sz="1400" dirty="0">
                 <a:solidFill>
                   <a:srgbClr val="00B0F0"/>
                 </a:solidFill>
@@ -5405,7 +5394,7 @@
               </a:rPr>
               <a:t>https://www.abtasty.com/blog/above-the-fold/</a:t>
             </a:r>
-            <a:endParaRPr lang="en-US" sz="1400">
+            <a:endParaRPr lang="en-US" sz="1400" dirty="0">
               <a:solidFill>
                 <a:srgbClr val="00B0F0"/>
               </a:solidFill>
@@ -5465,7 +5454,7 @@
           </a:lstStyle>
           <a:p>
             <a:r>
-              <a:rPr lang="en-US" sz="2800">
+              <a:rPr lang="en-US" sz="2800" dirty="0">
                 <a:solidFill>
                   <a:schemeClr val="tx1">
                     <a:lumMod val="50000"/>
@@ -5530,7 +5519,7 @@
           <a:lstStyle/>
           <a:p>
             <a:r>
-              <a:rPr lang="en-US"/>
+              <a:rPr lang="en-US" dirty="0"/>
               <a:t>Lessons Learned</a:t>
             </a:r>
           </a:p>
@@ -5560,79 +5549,79 @@
           <a:lstStyle/>
           <a:p>
             <a:r>
-              <a:rPr lang="en-US" sz="2000" b="1"/>
+              <a:rPr lang="en-US" sz="2000" b="1" dirty="0"/>
               <a:t>Present attention-grabbing headlines, content, and imagery above the fold of the home page.</a:t>
             </a:r>
           </a:p>
           <a:p>
             <a:r>
-              <a:rPr lang="en-US" sz="2000"/>
+              <a:rPr lang="en-US" sz="2000" dirty="0"/>
               <a:t>Use </a:t>
             </a:r>
             <a:r>
-              <a:rPr lang="en-US" sz="2000" b="1"/>
+              <a:rPr lang="en-US" sz="2000" b="1" dirty="0"/>
               <a:t>large font sizes</a:t>
             </a:r>
             <a:r>
-              <a:rPr lang="en-US" sz="2000"/>
+              <a:rPr lang="en-US" sz="2000" dirty="0"/>
               <a:t> above the fold.</a:t>
             </a:r>
           </a:p>
           <a:p>
             <a:r>
-              <a:rPr lang="en-US" sz="2000"/>
+              <a:rPr lang="en-US" sz="2000" dirty="0"/>
               <a:t>Use </a:t>
             </a:r>
             <a:r>
-              <a:rPr lang="en-US" sz="2000" b="1"/>
+              <a:rPr lang="en-US" sz="2000" b="1" dirty="0"/>
               <a:t>background images</a:t>
             </a:r>
             <a:r>
-              <a:rPr lang="en-US" sz="2000"/>
+              <a:rPr lang="en-US" sz="2000" dirty="0"/>
               <a:t> and/or </a:t>
             </a:r>
             <a:r>
-              <a:rPr lang="en-US" sz="2000" b="1"/>
+              <a:rPr lang="en-US" sz="2000" b="1" dirty="0"/>
               <a:t>gradients</a:t>
             </a:r>
             <a:r>
-              <a:rPr lang="en-US" sz="2000"/>
+              <a:rPr lang="en-US" sz="2000" dirty="0"/>
               <a:t> above the fold.</a:t>
             </a:r>
           </a:p>
           <a:p>
             <a:r>
-              <a:rPr lang="en-US" sz="2000"/>
+              <a:rPr lang="en-US" sz="2000" dirty="0"/>
               <a:t>Use </a:t>
             </a:r>
             <a:r>
-              <a:rPr lang="en-US" sz="2000" b="1"/>
+              <a:rPr lang="en-US" sz="2000" b="1" dirty="0"/>
               <a:t>animated graphics</a:t>
             </a:r>
             <a:r>
-              <a:rPr lang="en-US" sz="2000"/>
+              <a:rPr lang="en-US" sz="2000" dirty="0"/>
               <a:t> and </a:t>
             </a:r>
             <a:r>
-              <a:rPr lang="en-US" sz="2000" b="1"/>
+              <a:rPr lang="en-US" sz="2000" b="1" dirty="0"/>
               <a:t>video</a:t>
             </a:r>
             <a:r>
-              <a:rPr lang="en-US" sz="2000"/>
+              <a:rPr lang="en-US" sz="2000" dirty="0"/>
               <a:t> above the fold.</a:t>
             </a:r>
           </a:p>
           <a:p>
             <a:r>
-              <a:rPr lang="en-US" sz="2000"/>
+              <a:rPr lang="en-US" sz="2000" dirty="0"/>
               <a:t>Give a </a:t>
             </a:r>
             <a:r>
-              <a:rPr lang="en-US" sz="2000" b="1"/>
+              <a:rPr lang="en-US" sz="2000" b="1" dirty="0"/>
               <a:t>Call To Action</a:t>
             </a:r>
             <a:r>
-              <a:rPr lang="en-US" sz="2000"/>
+              <a:rPr lang="en-US" sz="2000" dirty="0"/>
               <a:t> somewhere on the home page.</a:t>
             </a:r>
           </a:p>
@@ -5667,14 +5656,14 @@
           <a:p>
             <a:pPr algn="r"/>
             <a:r>
-              <a:rPr lang="en-US" sz="1400" b="1"/>
+              <a:rPr lang="en-US" sz="1400" b="1" dirty="0"/>
               <a:t>Sources</a:t>
             </a:r>
           </a:p>
           <a:p>
             <a:pPr algn="r"/>
             <a:r>
-              <a:rPr lang="en-US" sz="1400">
+              <a:rPr lang="en-US" sz="1400" dirty="0">
                 <a:solidFill>
                   <a:srgbClr val="00B0F0"/>
                 </a:solidFill>
@@ -5688,7 +5677,7 @@
               </a:rPr>
               <a:t>https://www.abtasty.com/blog/above-the-fold/</a:t>
             </a:r>
-            <a:endParaRPr lang="en-US" sz="1400">
+            <a:endParaRPr lang="en-US" sz="1400" dirty="0">
               <a:solidFill>
                 <a:srgbClr val="00B0F0"/>
               </a:solidFill>
@@ -5697,12 +5686,12 @@
           <a:p>
             <a:pPr algn="r"/>
             <a:r>
-              <a:rPr lang="en-US" sz="1400">
+              <a:rPr lang="en-US" sz="1400" dirty="0">
                 <a:hlinkClick r:id="rId3"/>
               </a:rPr>
               <a:t>https://www.abtasty.com/blog/effective-call-to-action/</a:t>
             </a:r>
-            <a:endParaRPr lang="en-US" sz="1400" b="1">
+            <a:endParaRPr lang="en-US" sz="1400" b="1" dirty="0">
               <a:solidFill>
                 <a:srgbClr val="00B0F0"/>
               </a:solidFill>
@@ -5767,7 +5756,7 @@
           <a:lstStyle/>
           <a:p>
             <a:r>
-              <a:rPr lang="en-US"/>
+              <a:rPr lang="en-US" dirty="0"/>
               <a:t>Simple Jumbotron</a:t>
             </a:r>
           </a:p>
@@ -5805,10 +5794,88 @@
               <a:buNone/>
             </a:pPr>
             <a:r>
-              <a:rPr lang="en-US" sz="1600">
+              <a:rPr lang="en-US" sz="1600" dirty="0">
                 <a:latin typeface="Consolas" panose="020B0609020204030204" pitchFamily="49" charset="0"/>
               </a:rPr>
               <a:t>&lt;div class="</a:t>
+            </a:r>
+            <a:r>
+              <a:rPr lang="en-US" sz="1600" dirty="0">
+                <a:highlight>
+                  <a:srgbClr val="FCF7F1"/>
+                </a:highlight>
+                <a:latin typeface="Consolas" panose="020B0609020204030204" pitchFamily="49" charset="0"/>
+              </a:rPr>
+              <a:t>container</a:t>
+            </a:r>
+            <a:r>
+              <a:rPr lang="en-US" sz="1600" dirty="0">
+                <a:latin typeface="Consolas" panose="020B0609020204030204" pitchFamily="49" charset="0"/>
+              </a:rPr>
+              <a:t>"&gt;</a:t>
+            </a:r>
+          </a:p>
+          <a:p>
+            <a:pPr marL="0" indent="0">
+              <a:buNone/>
+            </a:pPr>
+            <a:r>
+              <a:rPr lang="en-US" sz="1600" dirty="0">
+                <a:latin typeface="Consolas" panose="020B0609020204030204" pitchFamily="49" charset="0"/>
+              </a:rPr>
+              <a:t>  &lt;div class="</a:t>
+            </a:r>
+            <a:r>
+              <a:rPr lang="en-US" sz="1600" dirty="0">
+                <a:highlight>
+                  <a:srgbClr val="FCF7F1"/>
+                </a:highlight>
+                <a:latin typeface="Consolas" panose="020B0609020204030204" pitchFamily="49" charset="0"/>
+              </a:rPr>
+              <a:t>jumbotron</a:t>
+            </a:r>
+            <a:r>
+              <a:rPr lang="en-US" sz="1600" dirty="0">
+                <a:latin typeface="Consolas" panose="020B0609020204030204" pitchFamily="49" charset="0"/>
+              </a:rPr>
+              <a:t> bg-dark text-white"&gt;</a:t>
+            </a:r>
+          </a:p>
+          <a:p>
+            <a:pPr marL="0" indent="0">
+              <a:buNone/>
+            </a:pPr>
+            <a:r>
+              <a:rPr lang="en-US" sz="1600" dirty="0">
+                <a:latin typeface="Consolas" panose="020B0609020204030204" pitchFamily="49" charset="0"/>
+              </a:rPr>
+              <a:t>    &lt;h1 class="</a:t>
+            </a:r>
+            <a:r>
+              <a:rPr lang="en-US" sz="1600" dirty="0">
+                <a:highlight>
+                  <a:srgbClr val="FCF7F1"/>
+                </a:highlight>
+                <a:latin typeface="Consolas" panose="020B0609020204030204" pitchFamily="49" charset="0"/>
+              </a:rPr>
+              <a:t>display-4</a:t>
+            </a:r>
+            <a:r>
+              <a:rPr lang="en-US" sz="1600" dirty="0">
+                <a:latin typeface="Consolas" panose="020B0609020204030204" pitchFamily="49" charset="0"/>
+              </a:rPr>
+              <a:t>"&gt;20% off store wide!&lt;/h1&gt;</a:t>
+            </a:r>
+          </a:p>
+          <a:p>
+            <a:pPr marL="0" indent="0">
+              <a:buNone/>
+            </a:pPr>
+            <a:r>
+              <a:rPr lang="en-US" sz="1600" dirty="0">
+                <a:latin typeface="Consolas" panose="020B0609020204030204" pitchFamily="49" charset="0"/>
+              </a:rPr>
+              <a:t>    &lt;a class="</a:t>
             </a:r>
             <a:r>
               <a:rPr lang="en-US" sz="1600">
@@ -5817,39 +5884,34 @@
                 </a:highlight>
                 <a:latin typeface="Consolas" panose="020B0609020204030204" pitchFamily="49" charset="0"/>
               </a:rPr>
-              <a:t>container</a:t>
-            </a:r>
-            <a:r>
-              <a:rPr lang="en-US" sz="1600">
-                <a:latin typeface="Consolas" panose="020B0609020204030204" pitchFamily="49" charset="0"/>
-              </a:rPr>
-              <a:t>"&gt;</a:t>
-            </a:r>
-          </a:p>
-          <a:p>
-            <a:pPr marL="0" indent="0">
-              <a:buNone/>
-            </a:pPr>
-            <a:r>
-              <a:rPr lang="en-US" sz="1600">
-                <a:latin typeface="Consolas" panose="020B0609020204030204" pitchFamily="49" charset="0"/>
-              </a:rPr>
-              <a:t>  &lt;div class="</a:t>
-            </a:r>
-            <a:r>
-              <a:rPr lang="en-US" sz="1600">
+              <a:t>btn</a:t>
+            </a:r>
+            <a:r>
+              <a:rPr lang="en-US" sz="1600" dirty="0">
                 <a:highlight>
                   <a:srgbClr val="FCF7F1"/>
                 </a:highlight>
                 <a:latin typeface="Consolas" panose="020B0609020204030204" pitchFamily="49" charset="0"/>
               </a:rPr>
-              <a:t>jumbotron</a:t>
+              <a:t> btn-primary btn-lg</a:t>
+            </a:r>
+            <a:r>
+              <a:rPr lang="en-US" sz="1600" dirty="0">
+                <a:latin typeface="Consolas" panose="020B0609020204030204" pitchFamily="49" charset="0"/>
+              </a:rPr>
+              <a:t>" role="button" </a:t>
             </a:r>
             <a:r>
               <a:rPr lang="en-US" sz="1600">
                 <a:latin typeface="Consolas" panose="020B0609020204030204" pitchFamily="49" charset="0"/>
               </a:rPr>
-              <a:t> bg-dark text-white"&gt;</a:t>
+              <a:t>href</a:t>
+            </a:r>
+            <a:r>
+              <a:rPr lang="en-US" sz="1600" dirty="0">
+                <a:latin typeface="Consolas" panose="020B0609020204030204" pitchFamily="49" charset="0"/>
+              </a:rPr>
+              <a:t>="#"&gt;Learn more&lt;/a&gt;</a:t>
             </a:r>
           </a:p>
           <a:p>
@@ -5857,25 +5919,10 @@
               <a:buNone/>
             </a:pPr>
             <a:r>
-              <a:rPr lang="en-US" sz="1600">
+              <a:rPr lang="en-US" sz="1600" dirty="0">
                 <a:latin typeface="Consolas" panose="020B0609020204030204" pitchFamily="49" charset="0"/>
               </a:rPr>
-              <a:t>    &lt;h1 class="</a:t>
-            </a:r>
-            <a:r>
-              <a:rPr lang="en-US" sz="1600">
-                <a:highlight>
-                  <a:srgbClr val="FCF7F1"/>
-                </a:highlight>
-                <a:latin typeface="Consolas" panose="020B0609020204030204" pitchFamily="49" charset="0"/>
-              </a:rPr>
-              <a:t>display-4</a:t>
-            </a:r>
-            <a:r>
-              <a:rPr lang="en-US" sz="1600">
-                <a:latin typeface="Consolas" panose="020B0609020204030204" pitchFamily="49" charset="0"/>
-              </a:rPr>
-              <a:t>"&gt;20% off store wide!&lt;/h1&gt;</a:t>
+              <a:t>  &lt;/div&gt;</a:t>
             </a:r>
           </a:p>
           <a:p>
@@ -5883,44 +5930,7 @@
               <a:buNone/>
             </a:pPr>
             <a:r>
-              <a:rPr lang="en-US" sz="1600">
-                <a:latin typeface="Consolas" panose="020B0609020204030204" pitchFamily="49" charset="0"/>
-              </a:rPr>
-              <a:t>    &lt;a class="</a:t>
-            </a:r>
-            <a:r>
-              <a:rPr lang="en-US" sz="1600">
-                <a:highlight>
-                  <a:srgbClr val="FCF7F1"/>
-                </a:highlight>
-                <a:latin typeface="Consolas" panose="020B0609020204030204" pitchFamily="49" charset="0"/>
-              </a:rPr>
-              <a:t>btn btn-primary btn-lg</a:t>
-            </a:r>
-            <a:r>
-              <a:rPr lang="en-US" sz="1600">
-                <a:latin typeface="Consolas" panose="020B0609020204030204" pitchFamily="49" charset="0"/>
-              </a:rPr>
-              <a:t>" role="button" href="#"&gt;Learn more&lt;/a&gt;</a:t>
-            </a:r>
-          </a:p>
-          <a:p>
-            <a:pPr marL="0" indent="0">
-              <a:buNone/>
-            </a:pPr>
-            <a:r>
-              <a:rPr lang="en-US" sz="1600">
-                <a:latin typeface="Consolas" panose="020B0609020204030204" pitchFamily="49" charset="0"/>
-              </a:rPr>
-              <a:t>  &lt;/div&gt;</a:t>
-            </a:r>
-          </a:p>
-          <a:p>
-            <a:pPr marL="0" indent="0">
-              <a:buNone/>
-            </a:pPr>
-            <a:r>
-              <a:rPr lang="en-US" sz="1600">
+              <a:rPr lang="en-US" sz="1600" dirty="0">
                 <a:latin typeface="Consolas" panose="020B0609020204030204" pitchFamily="49" charset="0"/>
               </a:rPr>
               <a:t>&lt;/div&gt;</a:t>
@@ -6015,7 +6025,7 @@
           <a:lstStyle/>
           <a:p>
             <a:r>
-              <a:rPr lang="en-US"/>
+              <a:rPr lang="en-US" dirty="0"/>
               <a:t>Full-Width Jumbotron</a:t>
             </a:r>
           </a:p>
@@ -6053,10 +6063,88 @@
               <a:buNone/>
             </a:pPr>
             <a:r>
-              <a:rPr lang="en-US" sz="1600">
+              <a:rPr lang="en-US" sz="1600" dirty="0">
                 <a:latin typeface="Consolas" panose="020B0609020204030204" pitchFamily="49" charset="0"/>
               </a:rPr>
               <a:t>&lt;div class="</a:t>
+            </a:r>
+            <a:r>
+              <a:rPr lang="en-US" sz="1600" dirty="0">
+                <a:highlight>
+                  <a:srgbClr val="FCF7F1"/>
+                </a:highlight>
+                <a:latin typeface="Consolas" panose="020B0609020204030204" pitchFamily="49" charset="0"/>
+              </a:rPr>
+              <a:t>jumbotron jumbotron-fluid</a:t>
+            </a:r>
+            <a:r>
+              <a:rPr lang="en-US" sz="1600" dirty="0">
+                <a:latin typeface="Consolas" panose="020B0609020204030204" pitchFamily="49" charset="0"/>
+              </a:rPr>
+              <a:t> bg-dark text-white"&gt;</a:t>
+            </a:r>
+          </a:p>
+          <a:p>
+            <a:pPr marL="0" indent="0">
+              <a:buNone/>
+            </a:pPr>
+            <a:r>
+              <a:rPr lang="en-US" sz="1600" dirty="0">
+                <a:latin typeface="Consolas" panose="020B0609020204030204" pitchFamily="49" charset="0"/>
+              </a:rPr>
+              <a:t>  &lt;div class="</a:t>
+            </a:r>
+            <a:r>
+              <a:rPr lang="en-US" sz="1600" dirty="0">
+                <a:highlight>
+                  <a:srgbClr val="FCF7F1"/>
+                </a:highlight>
+                <a:latin typeface="Consolas" panose="020B0609020204030204" pitchFamily="49" charset="0"/>
+              </a:rPr>
+              <a:t>container</a:t>
+            </a:r>
+            <a:r>
+              <a:rPr lang="en-US" sz="1600" dirty="0">
+                <a:latin typeface="Consolas" panose="020B0609020204030204" pitchFamily="49" charset="0"/>
+              </a:rPr>
+              <a:t>"&gt;</a:t>
+            </a:r>
+          </a:p>
+          <a:p>
+            <a:pPr marL="0" indent="0">
+              <a:buNone/>
+            </a:pPr>
+            <a:r>
+              <a:rPr lang="en-US" sz="1600" dirty="0">
+                <a:latin typeface="Consolas" panose="020B0609020204030204" pitchFamily="49" charset="0"/>
+              </a:rPr>
+              <a:t>    &lt;h1 class="</a:t>
+            </a:r>
+            <a:r>
+              <a:rPr lang="en-US" sz="1600" dirty="0">
+                <a:highlight>
+                  <a:srgbClr val="FCF7F1"/>
+                </a:highlight>
+                <a:latin typeface="Consolas" panose="020B0609020204030204" pitchFamily="49" charset="0"/>
+              </a:rPr>
+              <a:t>display-4</a:t>
+            </a:r>
+            <a:r>
+              <a:rPr lang="en-US" sz="1600" dirty="0">
+                <a:latin typeface="Consolas" panose="020B0609020204030204" pitchFamily="49" charset="0"/>
+              </a:rPr>
+              <a:t>"&gt;20% off store wide!&lt;/h1&gt;</a:t>
+            </a:r>
+          </a:p>
+          <a:p>
+            <a:pPr marL="0" indent="0">
+              <a:buNone/>
+            </a:pPr>
+            <a:r>
+              <a:rPr lang="en-US" sz="1600" dirty="0">
+                <a:latin typeface="Consolas" panose="020B0609020204030204" pitchFamily="49" charset="0"/>
+              </a:rPr>
+              <a:t>    &lt;a class="</a:t>
             </a:r>
             <a:r>
               <a:rPr lang="en-US" sz="1600">
@@ -6065,39 +6153,34 @@
                 </a:highlight>
                 <a:latin typeface="Consolas" panose="020B0609020204030204" pitchFamily="49" charset="0"/>
               </a:rPr>
-              <a:t>jumbotron jumbotron-fluid</a:t>
-            </a:r>
-            <a:r>
-              <a:rPr lang="en-US" sz="1600">
-                <a:latin typeface="Consolas" panose="020B0609020204030204" pitchFamily="49" charset="0"/>
-              </a:rPr>
-              <a:t> bg-dark text-white"&gt;</a:t>
-            </a:r>
-          </a:p>
-          <a:p>
-            <a:pPr marL="0" indent="0">
-              <a:buNone/>
-            </a:pPr>
-            <a:r>
-              <a:rPr lang="en-US" sz="1600">
-                <a:latin typeface="Consolas" panose="020B0609020204030204" pitchFamily="49" charset="0"/>
-              </a:rPr>
-              <a:t>  &lt;div class="</a:t>
-            </a:r>
-            <a:r>
-              <a:rPr lang="en-US" sz="1600">
+              <a:t>btn</a:t>
+            </a:r>
+            <a:r>
+              <a:rPr lang="en-US" sz="1600" dirty="0">
                 <a:highlight>
                   <a:srgbClr val="FCF7F1"/>
                 </a:highlight>
                 <a:latin typeface="Consolas" panose="020B0609020204030204" pitchFamily="49" charset="0"/>
               </a:rPr>
-              <a:t>container</a:t>
+              <a:t> btn-primary btn-lg</a:t>
+            </a:r>
+            <a:r>
+              <a:rPr lang="en-US" sz="1600" dirty="0">
+                <a:latin typeface="Consolas" panose="020B0609020204030204" pitchFamily="49" charset="0"/>
+              </a:rPr>
+              <a:t>" role="button" </a:t>
             </a:r>
             <a:r>
               <a:rPr lang="en-US" sz="1600">
                 <a:latin typeface="Consolas" panose="020B0609020204030204" pitchFamily="49" charset="0"/>
               </a:rPr>
-              <a:t>"&gt;</a:t>
+              <a:t>href</a:t>
+            </a:r>
+            <a:r>
+              <a:rPr lang="en-US" sz="1600" dirty="0">
+                <a:latin typeface="Consolas" panose="020B0609020204030204" pitchFamily="49" charset="0"/>
+              </a:rPr>
+              <a:t>="#"&gt;Learn more&lt;/a&gt;</a:t>
             </a:r>
           </a:p>
           <a:p>
@@ -6105,25 +6188,10 @@
               <a:buNone/>
             </a:pPr>
             <a:r>
-              <a:rPr lang="en-US" sz="1600">
+              <a:rPr lang="en-US" sz="1600" dirty="0">
                 <a:latin typeface="Consolas" panose="020B0609020204030204" pitchFamily="49" charset="0"/>
               </a:rPr>
-              <a:t>    &lt;h1 class="</a:t>
-            </a:r>
-            <a:r>
-              <a:rPr lang="en-US" sz="1600">
-                <a:highlight>
-                  <a:srgbClr val="FCF7F1"/>
-                </a:highlight>
-                <a:latin typeface="Consolas" panose="020B0609020204030204" pitchFamily="49" charset="0"/>
-              </a:rPr>
-              <a:t>display-4</a:t>
-            </a:r>
-            <a:r>
-              <a:rPr lang="en-US" sz="1600">
-                <a:latin typeface="Consolas" panose="020B0609020204030204" pitchFamily="49" charset="0"/>
-              </a:rPr>
-              <a:t>"&gt;20% off store wide!&lt;/h1&gt;</a:t>
+              <a:t>  &lt;/div&gt;</a:t>
             </a:r>
           </a:p>
           <a:p>
@@ -6131,44 +6199,7 @@
               <a:buNone/>
             </a:pPr>
             <a:r>
-              <a:rPr lang="en-US" sz="1600">
-                <a:latin typeface="Consolas" panose="020B0609020204030204" pitchFamily="49" charset="0"/>
-              </a:rPr>
-              <a:t>    &lt;a class="</a:t>
-            </a:r>
-            <a:r>
-              <a:rPr lang="en-US" sz="1600">
-                <a:highlight>
-                  <a:srgbClr val="FCF7F1"/>
-                </a:highlight>
-                <a:latin typeface="Consolas" panose="020B0609020204030204" pitchFamily="49" charset="0"/>
-              </a:rPr>
-              <a:t>btn btn-primary btn-lg</a:t>
-            </a:r>
-            <a:r>
-              <a:rPr lang="en-US" sz="1600">
-                <a:latin typeface="Consolas" panose="020B0609020204030204" pitchFamily="49" charset="0"/>
-              </a:rPr>
-              <a:t>" role="button" href="#"&gt;Learn more&lt;/a&gt;</a:t>
-            </a:r>
-          </a:p>
-          <a:p>
-            <a:pPr marL="0" indent="0">
-              <a:buNone/>
-            </a:pPr>
-            <a:r>
-              <a:rPr lang="en-US" sz="1600">
-                <a:latin typeface="Consolas" panose="020B0609020204030204" pitchFamily="49" charset="0"/>
-              </a:rPr>
-              <a:t>  &lt;/div&gt;</a:t>
-            </a:r>
-          </a:p>
-          <a:p>
-            <a:pPr marL="0" indent="0">
-              <a:buNone/>
-            </a:pPr>
-            <a:r>
-              <a:rPr lang="en-US" sz="1600">
+              <a:rPr lang="en-US" sz="1600" dirty="0">
                 <a:latin typeface="Consolas" panose="020B0609020204030204" pitchFamily="49" charset="0"/>
               </a:rPr>
               <a:t>&lt;/div&gt;</a:t>
@@ -6263,7 +6294,7 @@
           <a:lstStyle/>
           <a:p>
             <a:r>
-              <a:rPr lang="en-US"/>
+              <a:rPr lang="en-US" dirty="0"/>
               <a:t>Jumbotron with background image</a:t>
             </a:r>
           </a:p>
@@ -6307,7 +6338,7 @@
               <a:buNone/>
             </a:pPr>
             <a:r>
-              <a:rPr lang="en-US" sz="1400" b="1"/>
+              <a:rPr lang="en-US" sz="1400" b="1" dirty="0"/>
               <a:t>HTML</a:t>
             </a:r>
           </a:p>
@@ -6322,13 +6353,13 @@
               <a:buNone/>
             </a:pPr>
             <a:r>
-              <a:rPr lang="en-US" sz="1400">
+              <a:rPr lang="en-US" sz="1400" dirty="0">
                 <a:latin typeface="Consolas" panose="020B0609020204030204" pitchFamily="49" charset="0"/>
               </a:rPr>
               <a:t>&lt;div class="</a:t>
             </a:r>
             <a:r>
-              <a:rPr lang="en-US" sz="1400">
+              <a:rPr lang="en-US" sz="1400" dirty="0">
                 <a:highlight>
                   <a:srgbClr val="FCF7F1"/>
                 </a:highlight>
@@ -6337,13 +6368,13 @@
               <a:t>jumbotron jumbotron-fluid</a:t>
             </a:r>
             <a:r>
-              <a:rPr lang="en-US" sz="1400">
+              <a:rPr lang="en-US" sz="1400" dirty="0">
                 <a:latin typeface="Consolas" panose="020B0609020204030204" pitchFamily="49" charset="0"/>
               </a:rPr>
               <a:t> </a:t>
             </a:r>
             <a:r>
-              <a:rPr lang="en-US" sz="1400">
+              <a:rPr lang="en-US" sz="1400" dirty="0">
                 <a:highlight>
                   <a:srgbClr val="F8D22F"/>
                 </a:highlight>
@@ -6352,7 +6383,7 @@
               <a:t>example-jumbotron</a:t>
             </a:r>
             <a:r>
-              <a:rPr lang="en-US" sz="1400">
+              <a:rPr lang="en-US" sz="1400" dirty="0">
                 <a:latin typeface="Consolas" panose="020B0609020204030204" pitchFamily="49" charset="0"/>
               </a:rPr>
               <a:t>"&gt;</a:t>
@@ -6369,13 +6400,13 @@
               <a:buNone/>
             </a:pPr>
             <a:r>
-              <a:rPr lang="en-US" sz="1400">
+              <a:rPr lang="en-US" sz="1400" dirty="0">
                 <a:latin typeface="Consolas" panose="020B0609020204030204" pitchFamily="49" charset="0"/>
               </a:rPr>
               <a:t>  &lt;h1 class="</a:t>
             </a:r>
             <a:r>
-              <a:rPr lang="en-US" sz="1400">
+              <a:rPr lang="en-US" sz="1400" dirty="0">
                 <a:highlight>
                   <a:srgbClr val="FCF7F1"/>
                 </a:highlight>
@@ -6384,7 +6415,7 @@
               <a:t>display-4</a:t>
             </a:r>
             <a:r>
-              <a:rPr lang="en-US" sz="1400">
+              <a:rPr lang="en-US" sz="1400" dirty="0">
                 <a:latin typeface="Consolas" panose="020B0609020204030204" pitchFamily="49" charset="0"/>
               </a:rPr>
               <a:t>"&gt;20% off store wide!&lt;/h1&gt;</a:t>
@@ -6401,13 +6432,13 @@
               <a:buNone/>
             </a:pPr>
             <a:r>
-              <a:rPr lang="en-US" sz="1400">
+              <a:rPr lang="en-US" sz="1400" dirty="0">
                 <a:latin typeface="Consolas" panose="020B0609020204030204" pitchFamily="49" charset="0"/>
               </a:rPr>
               <a:t>  &lt;a class="</a:t>
             </a:r>
             <a:r>
-              <a:rPr lang="en-US" sz="1400">
+              <a:rPr lang="en-US" sz="1400" dirty="0">
                 <a:highlight>
                   <a:srgbClr val="FCF7F1"/>
                 </a:highlight>
@@ -6416,7 +6447,7 @@
               <a:t>btn btn-primary btn-lg</a:t>
             </a:r>
             <a:r>
-              <a:rPr lang="en-US" sz="1400">
+              <a:rPr lang="en-US" sz="1400" dirty="0">
                 <a:latin typeface="Consolas" panose="020B0609020204030204" pitchFamily="49" charset="0"/>
               </a:rPr>
               <a:t>" role="button" href="#"&gt;Learn more&lt;/a&gt;</a:t>
@@ -6433,7 +6464,7 @@
               <a:buNone/>
             </a:pPr>
             <a:r>
-              <a:rPr lang="en-US" sz="1400">
+              <a:rPr lang="en-US" sz="1400" dirty="0">
                 <a:latin typeface="Consolas" panose="020B0609020204030204" pitchFamily="49" charset="0"/>
               </a:rPr>
               <a:t>&lt;/div&gt;</a:t>
@@ -6701,7 +6732,7 @@
               <a:buNone/>
             </a:pPr>
             <a:r>
-              <a:rPr lang="en-US" sz="1400" b="1"/>
+              <a:rPr lang="en-US" sz="1400" b="1" dirty="0"/>
               <a:t>CSS</a:t>
             </a:r>
           </a:p>
@@ -6716,7 +6747,7 @@
               <a:buNone/>
             </a:pPr>
             <a:r>
-              <a:rPr lang="en-US" sz="1400">
+              <a:rPr lang="en-US" sz="1400" dirty="0">
                 <a:latin typeface="Consolas" panose="020B0609020204030204" pitchFamily="49" charset="0"/>
               </a:rPr>
               <a:t>.example-jumbotron {</a:t>
@@ -6733,7 +6764,7 @@
               <a:buNone/>
             </a:pPr>
             <a:r>
-              <a:rPr lang="en-US" sz="1400">
+              <a:rPr lang="en-US" sz="1400" dirty="0">
                 <a:latin typeface="Consolas" panose="020B0609020204030204" pitchFamily="49" charset="0"/>
               </a:rPr>
               <a:t>  color: white;</a:t>
@@ -6750,7 +6781,7 @@
               <a:buNone/>
             </a:pPr>
             <a:r>
-              <a:rPr lang="en-US" sz="1400">
+              <a:rPr lang="en-US" sz="1400" dirty="0">
                 <a:latin typeface="Consolas" panose="020B0609020204030204" pitchFamily="49" charset="0"/>
               </a:rPr>
               <a:t>  background-image: url('...');</a:t>
@@ -6767,7 +6798,7 @@
               <a:buNone/>
             </a:pPr>
             <a:r>
-              <a:rPr lang="en-US" sz="1400">
+              <a:rPr lang="en-US" sz="1400" dirty="0">
                 <a:latin typeface="Consolas" panose="020B0609020204030204" pitchFamily="49" charset="0"/>
               </a:rPr>
               <a:t>  background-repeat: no-repeat;</a:t>
@@ -6784,7 +6815,7 @@
               <a:buNone/>
             </a:pPr>
             <a:r>
-              <a:rPr lang="en-US" sz="1400">
+              <a:rPr lang="en-US" sz="1400" dirty="0">
                 <a:latin typeface="Consolas" panose="020B0609020204030204" pitchFamily="49" charset="0"/>
               </a:rPr>
               <a:t>  background-position: center;</a:t>
@@ -6801,7 +6832,7 @@
               <a:buNone/>
             </a:pPr>
             <a:r>
-              <a:rPr lang="en-US" sz="1400">
+              <a:rPr lang="en-US" sz="1400" dirty="0">
                 <a:latin typeface="Consolas" panose="020B0609020204030204" pitchFamily="49" charset="0"/>
               </a:rPr>
               <a:t>  background-size: cover;</a:t>
@@ -6818,7 +6849,7 @@
               <a:buNone/>
             </a:pPr>
             <a:r>
-              <a:rPr lang="en-US" sz="1400">
+              <a:rPr lang="en-US" sz="1400" dirty="0">
                 <a:latin typeface="Consolas" panose="020B0609020204030204" pitchFamily="49" charset="0"/>
               </a:rPr>
               <a:t>  min-height: 400px;</a:t>
@@ -6835,7 +6866,7 @@
               <a:buNone/>
             </a:pPr>
             <a:r>
-              <a:rPr lang="en-US" sz="1400">
+              <a:rPr lang="en-US" sz="1400" dirty="0">
                 <a:latin typeface="Consolas" panose="020B0609020204030204" pitchFamily="49" charset="0"/>
               </a:rPr>
               <a:t>  display: flex;</a:t>
@@ -6852,7 +6883,7 @@
               <a:buNone/>
             </a:pPr>
             <a:r>
-              <a:rPr lang="en-US" sz="1400">
+              <a:rPr lang="en-US" sz="1400" dirty="0">
                 <a:latin typeface="Consolas" panose="020B0609020204030204" pitchFamily="49" charset="0"/>
               </a:rPr>
               <a:t>  flex-direction: column;</a:t>
@@ -6869,7 +6900,7 @@
               <a:buNone/>
             </a:pPr>
             <a:r>
-              <a:rPr lang="en-US" sz="1400">
+              <a:rPr lang="en-US" sz="1400" dirty="0">
                 <a:latin typeface="Consolas" panose="020B0609020204030204" pitchFamily="49" charset="0"/>
               </a:rPr>
               <a:t>  justify-content: center;</a:t>
@@ -6886,7 +6917,7 @@
               <a:buNone/>
             </a:pPr>
             <a:r>
-              <a:rPr lang="en-US" sz="1400">
+              <a:rPr lang="en-US" sz="1400" dirty="0">
                 <a:latin typeface="Consolas" panose="020B0609020204030204" pitchFamily="49" charset="0"/>
               </a:rPr>
               <a:t>  align-items: center;</a:t>
@@ -6903,7 +6934,7 @@
               <a:buNone/>
             </a:pPr>
             <a:r>
-              <a:rPr lang="en-US" sz="1400">
+              <a:rPr lang="en-US" sz="1400" dirty="0">
                 <a:latin typeface="Consolas" panose="020B0609020204030204" pitchFamily="49" charset="0"/>
               </a:rPr>
               <a:t>}</a:t>
@@ -6939,7 +6970,7 @@
           <a:lstStyle/>
           <a:p>
             <a:r>
-              <a:rPr lang="en-US" sz="1400">
+              <a:rPr lang="en-US" sz="1400" dirty="0">
                 <a:latin typeface="Consolas" panose="020B0609020204030204" pitchFamily="49" charset="0"/>
               </a:rPr>
               <a:t>.example-jumbotron h1 {</a:t>
@@ -6947,7 +6978,7 @@
           </a:p>
           <a:p>
             <a:r>
-              <a:rPr lang="en-US" sz="1400">
+              <a:rPr lang="en-US" sz="1400" dirty="0">
                 <a:latin typeface="Consolas" panose="020B0609020204030204" pitchFamily="49" charset="0"/>
               </a:rPr>
               <a:t>  font-weight: bolder;</a:t>
@@ -6955,7 +6986,7 @@
           </a:p>
           <a:p>
             <a:r>
-              <a:rPr lang="en-US" sz="1400">
+              <a:rPr lang="en-US" sz="1400" dirty="0">
                 <a:latin typeface="Consolas" panose="020B0609020204030204" pitchFamily="49" charset="0"/>
               </a:rPr>
               <a:t>  text-shadow: 2px 2px black;</a:t>
@@ -6963,7 +6994,7 @@
           </a:p>
           <a:p>
             <a:r>
-              <a:rPr lang="en-US" sz="1400">
+              <a:rPr lang="en-US" sz="1400" dirty="0">
                 <a:latin typeface="Consolas" panose="020B0609020204030204" pitchFamily="49" charset="0"/>
               </a:rPr>
               <a:t>}</a:t>
@@ -6971,7 +7002,7 @@
           </a:p>
           <a:p>
             <a:r>
-              <a:rPr lang="en-US" sz="1400">
+              <a:rPr lang="en-US" sz="1400" dirty="0">
                 <a:latin typeface="Consolas" panose="020B0609020204030204" pitchFamily="49" charset="0"/>
               </a:rPr>
               <a:t>.example-jumbotron .btn {</a:t>
@@ -6979,7 +7010,7 @@
           </a:p>
           <a:p>
             <a:r>
-              <a:rPr lang="en-US" sz="1400">
+              <a:rPr lang="en-US" sz="1400" dirty="0">
                 <a:latin typeface="Consolas" panose="020B0609020204030204" pitchFamily="49" charset="0"/>
               </a:rPr>
               <a:t>  font-weight: bolder;</a:t>
@@ -6987,7 +7018,7 @@
           </a:p>
           <a:p>
             <a:r>
-              <a:rPr lang="en-US" sz="1400">
+              <a:rPr lang="en-US" sz="1400" dirty="0">
                 <a:latin typeface="Consolas" panose="020B0609020204030204" pitchFamily="49" charset="0"/>
               </a:rPr>
               <a:t>  box-shadow: 4px 4px black;</a:t>
@@ -6995,7 +7026,7 @@
           </a:p>
           <a:p>
             <a:r>
-              <a:rPr lang="en-US" sz="1400">
+              <a:rPr lang="en-US" sz="1400" dirty="0">
                 <a:latin typeface="Consolas" panose="020B0609020204030204" pitchFamily="49" charset="0"/>
               </a:rPr>
               <a:t>}</a:t>
@@ -7323,24 +7354,6 @@
 </file>
 
 <file path=customXml/item1.xml><?xml version="1.0" encoding="utf-8"?>
-<p:properties xmlns:p="http://schemas.microsoft.com/office/2006/metadata/properties" xmlns:xsi="http://www.w3.org/2001/XMLSchema-instance" xmlns:pc="http://schemas.microsoft.com/office/infopath/2007/PartnerControls">
-  <documentManagement>
-    <Status xmlns="71af3243-3dd4-4a8d-8c0d-dd76da1f02a5">Not started</Status>
-    <MediaServiceKeyPoints xmlns="71af3243-3dd4-4a8d-8c0d-dd76da1f02a5" xsi:nil="true"/>
-  </documentManagement>
-</p:properties>
-</file>
-
-<file path=customXml/item2.xml><?xml version="1.0" encoding="utf-8"?>
-<?mso-contentType ?>
-<FormTemplates xmlns="http://schemas.microsoft.com/sharepoint/v3/contenttype/forms">
-  <Display>DocumentLibraryForm</Display>
-  <Edit>DocumentLibraryForm</Edit>
-  <New>DocumentLibraryForm</New>
-</FormTemplates>
-</file>
-
-<file path=customXml/item3.xml><?xml version="1.0" encoding="utf-8"?>
 <ct:contentTypeSchema xmlns:ct="http://schemas.microsoft.com/office/2006/metadata/contentType" xmlns:ma="http://schemas.microsoft.com/office/2006/metadata/properties/metaAttributes" ct:_="" ma:_="" ma:contentTypeName="Document" ma:contentTypeID="0x01010079F111ED35F8CC479449609E8A0923A6" ma:contentTypeVersion="12" ma:contentTypeDescription="Create a new document." ma:contentTypeScope="" ma:versionID="a410dd7f93c95333ffa1b60ed6adedd1">
   <xsd:schema xmlns:xsd="http://www.w3.org/2001/XMLSchema" xmlns:xs="http://www.w3.org/2001/XMLSchema" xmlns:p="http://schemas.microsoft.com/office/2006/metadata/properties" xmlns:ns2="71af3243-3dd4-4a8d-8c0d-dd76da1f02a5" xmlns:ns3="16c05727-aa75-4e4a-9b5f-8a80a1165891" targetNamespace="http://schemas.microsoft.com/office/2006/metadata/properties" ma:root="true" ma:fieldsID="a936d9baba76aa3866493feff160faab" ns2:_="" ns3:_="">
     <xsd:import namespace="71af3243-3dd4-4a8d-8c0d-dd76da1f02a5"/>
@@ -7561,25 +7574,25 @@
 </ct:contentTypeSchema>
 </file>
 
-<file path=customXml/itemProps1.xml><?xml version="1.0" encoding="utf-8"?>
-<ds:datastoreItem xmlns:ds="http://schemas.openxmlformats.org/officeDocument/2006/customXml" ds:itemID="{137651BA-F45C-4845-9AB3-E0A65B39F5E1}">
-  <ds:schemaRefs>
-    <ds:schemaRef ds:uri="http://schemas.microsoft.com/office/2006/metadata/properties"/>
-    <ds:schemaRef ds:uri="http://schemas.microsoft.com/office/infopath/2007/PartnerControls"/>
-    <ds:schemaRef ds:uri="71af3243-3dd4-4a8d-8c0d-dd76da1f02a5"/>
-  </ds:schemaRefs>
-</ds:datastoreItem>
+<file path=customXml/item2.xml><?xml version="1.0" encoding="utf-8"?>
+<p:properties xmlns:p="http://schemas.microsoft.com/office/2006/metadata/properties" xmlns:xsi="http://www.w3.org/2001/XMLSchema-instance" xmlns:pc="http://schemas.microsoft.com/office/infopath/2007/PartnerControls">
+  <documentManagement>
+    <Status xmlns="71af3243-3dd4-4a8d-8c0d-dd76da1f02a5">Not started</Status>
+    <MediaServiceKeyPoints xmlns="71af3243-3dd4-4a8d-8c0d-dd76da1f02a5" xsi:nil="true"/>
+  </documentManagement>
+</p:properties>
 </file>
 
-<file path=customXml/itemProps2.xml><?xml version="1.0" encoding="utf-8"?>
-<ds:datastoreItem xmlns:ds="http://schemas.openxmlformats.org/officeDocument/2006/customXml" ds:itemID="{CDB58277-F8DF-46FF-84EC-EF41B835E69F}">
-  <ds:schemaRefs>
-    <ds:schemaRef ds:uri="http://schemas.microsoft.com/sharepoint/v3/contenttype/forms"/>
-  </ds:schemaRefs>
-</ds:datastoreItem>
+<file path=customXml/item3.xml><?xml version="1.0" encoding="utf-8"?>
+<?mso-contentType ?>
+<FormTemplates xmlns="http://schemas.microsoft.com/sharepoint/v3/contenttype/forms">
+  <Display>DocumentLibraryForm</Display>
+  <Edit>DocumentLibraryForm</Edit>
+  <New>DocumentLibraryForm</New>
+</FormTemplates>
 </file>
 
-<file path=customXml/itemProps3.xml><?xml version="1.0" encoding="utf-8"?>
+<file path=customXml/itemProps1.xml><?xml version="1.0" encoding="utf-8"?>
 <ds:datastoreItem xmlns:ds="http://schemas.openxmlformats.org/officeDocument/2006/customXml" ds:itemID="{2D276E62-80A3-44DD-9BCC-97ED2B99B57F}">
   <ds:schemaRefs>
     <ds:schemaRef ds:uri="http://schemas.microsoft.com/office/2006/metadata/contentType"/>
@@ -7596,4 +7609,22 @@
     <ds:schemaRef ds:uri="http://schemas.microsoft.com/internal/obd"/>
   </ds:schemaRefs>
 </ds:datastoreItem>
+</file>
+
+<file path=customXml/itemProps2.xml><?xml version="1.0" encoding="utf-8"?>
+<ds:datastoreItem xmlns:ds="http://schemas.openxmlformats.org/officeDocument/2006/customXml" ds:itemID="{137651BA-F45C-4845-9AB3-E0A65B39F5E1}">
+  <ds:schemaRefs>
+    <ds:schemaRef ds:uri="http://schemas.microsoft.com/office/2006/metadata/properties"/>
+    <ds:schemaRef ds:uri="http://schemas.microsoft.com/office/infopath/2007/PartnerControls"/>
+    <ds:schemaRef ds:uri="71af3243-3dd4-4a8d-8c0d-dd76da1f02a5"/>
+  </ds:schemaRefs>
+</ds:datastoreItem>
+</file>
+
+<file path=customXml/itemProps3.xml><?xml version="1.0" encoding="utf-8"?>
+<ds:datastoreItem xmlns:ds="http://schemas.openxmlformats.org/officeDocument/2006/customXml" ds:itemID="{CDB58277-F8DF-46FF-84EC-EF41B835E69F}">
+  <ds:schemaRefs>
+    <ds:schemaRef ds:uri="http://schemas.microsoft.com/sharepoint/v3/contenttype/forms"/>
+  </ds:schemaRefs>
+</ds:datastoreItem>
 </file>